--- a/slides/ConvNets.pptx
+++ b/slides/ConvNets.pptx
@@ -11,6 +11,7 @@
     <p:sldId id="259" r:id="rId5"/>
     <p:sldId id="260" r:id="rId6"/>
     <p:sldId id="261" r:id="rId7"/>
+    <p:sldId id="262" r:id="rId8"/>
   </p:sldIdLst>
   <p:sldSz cx="12192000" cy="6858000"/>
   <p:notesSz cx="6858000" cy="9144000"/>
@@ -109,6 +110,11 @@
       </a:defRPr>
     </a:lvl9pPr>
   </p:defaultTextStyle>
+  <p:extLst>
+    <p:ext uri="{EFAFB233-063F-42B5-8137-9DF3F51BA10A}">
+      <p15:sldGuideLst xmlns:p15="http://schemas.microsoft.com/office/powerpoint/2012/main"/>
+    </p:ext>
+  </p:extLst>
 </p:presentation>
 </file>
 
@@ -3021,6 +3027,13 @@
   <p:clrMapOvr>
     <a:masterClrMapping/>
   </p:clrMapOvr>
+  <p:timing>
+    <p:tnLst>
+      <p:par>
+        <p:cTn id="1" dur="indefinite" restart="never" nodeType="tmRoot"/>
+      </p:par>
+    </p:tnLst>
+  </p:timing>
 </p:sld>
 </file>
 
@@ -3503,6 +3516,13 @@
   <p:clrMapOvr>
     <a:masterClrMapping/>
   </p:clrMapOvr>
+  <p:timing>
+    <p:tnLst>
+      <p:par>
+        <p:cTn id="1" dur="indefinite" restart="never" nodeType="tmRoot"/>
+      </p:par>
+    </p:tnLst>
+  </p:timing>
 </p:sld>
 </file>
 
@@ -3643,6 +3663,149 @@
   <p:clrMapOvr>
     <a:masterClrMapping/>
   </p:clrMapOvr>
+  <p:timing>
+    <p:tnLst>
+      <p:par>
+        <p:cTn id="1" dur="indefinite" restart="never" nodeType="tmRoot"/>
+      </p:par>
+    </p:tnLst>
+  </p:timing>
+</p:sld>
+</file>
+
+<file path=ppt/slides/slide7.xml><?xml version="1.0" encoding="utf-8"?>
+<p:sld xmlns:a="http://schemas.openxmlformats.org/drawingml/2006/main" xmlns:r="http://schemas.openxmlformats.org/officeDocument/2006/relationships" xmlns:p="http://schemas.openxmlformats.org/presentationml/2006/main">
+  <p:cSld>
+    <p:spTree>
+      <p:nvGrpSpPr>
+        <p:cNvPr id="1" name=""/>
+        <p:cNvGrpSpPr/>
+        <p:nvPr/>
+      </p:nvGrpSpPr>
+      <p:grpSpPr>
+        <a:xfrm>
+          <a:off x="0" y="0"/>
+          <a:ext cx="0" cy="0"/>
+          <a:chOff x="0" y="0"/>
+          <a:chExt cx="0" cy="0"/>
+        </a:xfrm>
+      </p:grpSpPr>
+      <p:sp>
+        <p:nvSpPr>
+          <p:cNvPr id="2" name="Titel 1"/>
+          <p:cNvSpPr>
+            <a:spLocks noGrp="1"/>
+          </p:cNvSpPr>
+          <p:nvPr>
+            <p:ph type="title"/>
+          </p:nvPr>
+        </p:nvSpPr>
+        <p:spPr>
+          <a:xfrm>
+            <a:off x="838200" y="365126"/>
+            <a:ext cx="10515600" cy="1019538"/>
+          </a:xfrm>
+        </p:spPr>
+        <p:txBody>
+          <a:bodyPr/>
+          <a:lstStyle/>
+          <a:p>
+            <a:r>
+              <a:rPr lang="de-DE" dirty="0" err="1" smtClean="0"/>
+              <a:t>Pretrained</a:t>
+            </a:r>
+            <a:r>
+              <a:rPr lang="de-DE" dirty="0" smtClean="0"/>
+              <a:t> </a:t>
+            </a:r>
+            <a:r>
+              <a:rPr lang="de-DE" dirty="0" err="1" smtClean="0"/>
+              <a:t>ConvNets</a:t>
+            </a:r>
+            <a:endParaRPr lang="de-DE" dirty="0"/>
+          </a:p>
+        </p:txBody>
+      </p:sp>
+      <p:sp>
+        <p:nvSpPr>
+          <p:cNvPr id="3" name="Inhaltsplatzhalter 2"/>
+          <p:cNvSpPr>
+            <a:spLocks noGrp="1"/>
+          </p:cNvSpPr>
+          <p:nvPr>
+            <p:ph idx="1"/>
+          </p:nvPr>
+        </p:nvSpPr>
+        <p:spPr>
+          <a:xfrm>
+            <a:off x="838200" y="1825625"/>
+            <a:ext cx="4008120" cy="4351338"/>
+          </a:xfrm>
+        </p:spPr>
+        <p:txBody>
+          <a:bodyPr/>
+          <a:lstStyle/>
+          <a:p>
+            <a:r>
+              <a:rPr lang="en-US" b="1" dirty="0" smtClean="0">
+                <a:hlinkClick r:id="rId2"/>
+              </a:rPr>
+              <a:t>freezing </a:t>
+            </a:r>
+            <a:r>
+              <a:rPr lang="en-US" b="1" dirty="0">
+                <a:hlinkClick r:id="rId2"/>
+              </a:rPr>
+              <a:t>convolutional base vs. training on extracted features</a:t>
+            </a:r>
+            <a:endParaRPr lang="en-US" b="1" dirty="0"/>
+          </a:p>
+          <a:p>
+            <a:endParaRPr lang="de-DE" dirty="0"/>
+          </a:p>
+        </p:txBody>
+      </p:sp>
+      <p:pic>
+        <p:nvPicPr>
+          <p:cNvPr id="4" name="Grafik 3"/>
+          <p:cNvPicPr>
+            <a:picLocks noChangeAspect="1"/>
+          </p:cNvPicPr>
+          <p:nvPr/>
+        </p:nvPicPr>
+        <p:blipFill>
+          <a:blip r:embed="rId3"/>
+          <a:stretch>
+            <a:fillRect/>
+          </a:stretch>
+        </p:blipFill>
+        <p:spPr>
+          <a:xfrm>
+            <a:off x="5843723" y="1535158"/>
+            <a:ext cx="5886450" cy="4362450"/>
+          </a:xfrm>
+          <a:prstGeom prst="rect">
+            <a:avLst/>
+          </a:prstGeom>
+        </p:spPr>
+      </p:pic>
+    </p:spTree>
+    <p:extLst>
+      <p:ext uri="{BB962C8B-B14F-4D97-AF65-F5344CB8AC3E}">
+        <p14:creationId xmlns:p14="http://schemas.microsoft.com/office/powerpoint/2010/main" val="3975137584"/>
+      </p:ext>
+    </p:extLst>
+  </p:cSld>
+  <p:clrMapOvr>
+    <a:masterClrMapping/>
+  </p:clrMapOvr>
+  <p:timing>
+    <p:tnLst>
+      <p:par>
+        <p:cTn id="1" dur="indefinite" restart="never" nodeType="tmRoot"/>
+      </p:par>
+    </p:tnLst>
+  </p:timing>
 </p:sld>
 </file>
 
